--- a/Project2.pptx
+++ b/Project2.pptx
@@ -8,11 +8,12 @@
     <p:sldId id="260" r:id="rId2"/>
     <p:sldId id="258" r:id="rId3"/>
     <p:sldId id="259" r:id="rId4"/>
-    <p:sldId id="261" r:id="rId5"/>
-    <p:sldId id="264" r:id="rId6"/>
-    <p:sldId id="262" r:id="rId7"/>
-    <p:sldId id="257" r:id="rId8"/>
-    <p:sldId id="263" r:id="rId9"/>
+    <p:sldId id="265" r:id="rId5"/>
+    <p:sldId id="261" r:id="rId6"/>
+    <p:sldId id="264" r:id="rId7"/>
+    <p:sldId id="262" r:id="rId8"/>
+    <p:sldId id="257" r:id="rId9"/>
+    <p:sldId id="263" r:id="rId10"/>
   </p:sldIdLst>
   <p:sldSz cx="9144000" cy="6858000" type="screen4x3"/>
   <p:notesSz cx="6858000" cy="9144000"/>
@@ -2397,6 +2398,12 @@
           <a:p>
             <a:r>
               <a:rPr lang="en-US" dirty="0"/>
+              <a:t>Dataset</a:t>
+            </a:r>
+          </a:p>
+          <a:p>
+            <a:r>
+              <a:rPr lang="en-US" dirty="0"/>
               <a:t>Analysis and Results</a:t>
             </a:r>
           </a:p>
@@ -2529,6 +2536,110 @@
           <a:p>
             <a:r>
               <a:rPr lang="en-US" dirty="0"/>
+              <a:t>Dataset</a:t>
+            </a:r>
+          </a:p>
+        </p:txBody>
+      </p:sp>
+      <p:sp>
+        <p:nvSpPr>
+          <p:cNvPr id="3" name="Content Placeholder 2"/>
+          <p:cNvSpPr>
+            <a:spLocks noGrp="1"/>
+          </p:cNvSpPr>
+          <p:nvPr>
+            <p:ph idx="10"/>
+          </p:nvPr>
+        </p:nvSpPr>
+        <p:spPr/>
+        <p:txBody>
+          <a:bodyPr/>
+          <a:lstStyle/>
+          <a:p>
+            <a:r>
+              <a:rPr lang="en-US" dirty="0"/>
+              <a:t>Crime and Household in Austin, Texas in 2015</a:t>
+            </a:r>
+          </a:p>
+          <a:p>
+            <a:r>
+              <a:rPr lang="en-US" dirty="0"/>
+              <a:t>Data Cleaning</a:t>
+            </a:r>
+          </a:p>
+          <a:p>
+            <a:pPr lvl="1"/>
+            <a:r>
+              <a:rPr lang="en-US" dirty="0"/>
+              <a:t>Ignored null values</a:t>
+            </a:r>
+          </a:p>
+          <a:p>
+            <a:pPr lvl="1"/>
+            <a:r>
+              <a:rPr lang="en-US" dirty="0"/>
+              <a:t>Cleaned special characters</a:t>
+            </a:r>
+          </a:p>
+          <a:p>
+            <a:pPr lvl="1"/>
+            <a:r>
+              <a:rPr lang="en-US" dirty="0"/>
+              <a:t>Selected important attributes</a:t>
+            </a:r>
+          </a:p>
+          <a:p>
+            <a:endParaRPr lang="en-US" dirty="0"/>
+          </a:p>
+        </p:txBody>
+      </p:sp>
+    </p:spTree>
+    <p:extLst>
+      <p:ext uri="{BB962C8B-B14F-4D97-AF65-F5344CB8AC3E}">
+        <p14:creationId xmlns:p14="http://schemas.microsoft.com/office/powerpoint/2010/main" val="2427539294"/>
+      </p:ext>
+    </p:extLst>
+  </p:cSld>
+  <p:clrMapOvr>
+    <a:masterClrMapping/>
+  </p:clrMapOvr>
+</p:sld>
+</file>
+
+<file path=ppt/slides/slide5.xml><?xml version="1.0" encoding="utf-8"?>
+<p:sld xmlns:a="http://schemas.openxmlformats.org/drawingml/2006/main" xmlns:r="http://schemas.openxmlformats.org/officeDocument/2006/relationships" xmlns:p="http://schemas.openxmlformats.org/presentationml/2006/main">
+  <p:cSld>
+    <p:spTree>
+      <p:nvGrpSpPr>
+        <p:cNvPr id="1" name=""/>
+        <p:cNvGrpSpPr/>
+        <p:nvPr/>
+      </p:nvGrpSpPr>
+      <p:grpSpPr>
+        <a:xfrm>
+          <a:off x="0" y="0"/>
+          <a:ext cx="0" cy="0"/>
+          <a:chOff x="0" y="0"/>
+          <a:chExt cx="0" cy="0"/>
+        </a:xfrm>
+      </p:grpSpPr>
+      <p:sp>
+        <p:nvSpPr>
+          <p:cNvPr id="2" name="Title 1"/>
+          <p:cNvSpPr>
+            <a:spLocks noGrp="1"/>
+          </p:cNvSpPr>
+          <p:nvPr>
+            <p:ph type="ctrTitle"/>
+          </p:nvPr>
+        </p:nvSpPr>
+        <p:spPr/>
+        <p:txBody>
+          <a:bodyPr/>
+          <a:lstStyle/>
+          <a:p>
+            <a:r>
+              <a:rPr lang="en-US" dirty="0"/>
               <a:t>Analysis and Results</a:t>
             </a:r>
           </a:p>
@@ -2611,7 +2722,7 @@
 </p:sld>
 </file>
 
-<file path=ppt/slides/slide5.xml><?xml version="1.0" encoding="utf-8"?>
+<file path=ppt/slides/slide6.xml><?xml version="1.0" encoding="utf-8"?>
 <p:sld xmlns:a="http://schemas.openxmlformats.org/drawingml/2006/main" xmlns:r="http://schemas.openxmlformats.org/officeDocument/2006/relationships" xmlns:p="http://schemas.openxmlformats.org/presentationml/2006/main">
   <p:cSld>
     <p:spTree>
@@ -3437,157 +3548,6 @@
 </p:sld>
 </file>
 
-<file path=ppt/slides/slide6.xml><?xml version="1.0" encoding="utf-8"?>
-<p:sld xmlns:a="http://schemas.openxmlformats.org/drawingml/2006/main" xmlns:r="http://schemas.openxmlformats.org/officeDocument/2006/relationships" xmlns:p="http://schemas.openxmlformats.org/presentationml/2006/main">
-  <p:cSld>
-    <p:spTree>
-      <p:nvGrpSpPr>
-        <p:cNvPr id="1" name=""/>
-        <p:cNvGrpSpPr/>
-        <p:nvPr/>
-      </p:nvGrpSpPr>
-      <p:grpSpPr>
-        <a:xfrm>
-          <a:off x="0" y="0"/>
-          <a:ext cx="0" cy="0"/>
-          <a:chOff x="0" y="0"/>
-          <a:chExt cx="0" cy="0"/>
-        </a:xfrm>
-      </p:grpSpPr>
-      <p:sp>
-        <p:nvSpPr>
-          <p:cNvPr id="2" name="Title 1"/>
-          <p:cNvSpPr>
-            <a:spLocks noGrp="1"/>
-          </p:cNvSpPr>
-          <p:nvPr>
-            <p:ph type="ctrTitle"/>
-          </p:nvPr>
-        </p:nvSpPr>
-        <p:spPr/>
-        <p:txBody>
-          <a:bodyPr/>
-          <a:lstStyle/>
-          <a:p>
-            <a:r>
-              <a:rPr lang="en-US" dirty="0"/>
-              <a:t>Analysis and Results</a:t>
-            </a:r>
-          </a:p>
-        </p:txBody>
-      </p:sp>
-      <p:sp>
-        <p:nvSpPr>
-          <p:cNvPr id="3" name="Content Placeholder 2"/>
-          <p:cNvSpPr>
-            <a:spLocks noGrp="1"/>
-          </p:cNvSpPr>
-          <p:nvPr>
-            <p:ph idx="10"/>
-          </p:nvPr>
-        </p:nvSpPr>
-        <p:spPr>
-          <a:xfrm>
-            <a:off x="1298713" y="1489436"/>
-            <a:ext cx="7432209" cy="5368564"/>
-          </a:xfrm>
-        </p:spPr>
-        <p:txBody>
-          <a:bodyPr>
-            <a:normAutofit/>
-          </a:bodyPr>
-          <a:lstStyle/>
-          <a:p>
-            <a:pPr marL="0" indent="0" algn="ctr">
-              <a:buNone/>
-            </a:pPr>
-            <a:r>
-              <a:rPr lang="en-US" dirty="0"/>
-              <a:t>Correlation – Percentage of population below poverty level and Theft count for zip codes</a:t>
-            </a:r>
-          </a:p>
-          <a:p>
-            <a:endParaRPr lang="en-US" dirty="0"/>
-          </a:p>
-          <a:p>
-            <a:endParaRPr lang="en-US" dirty="0"/>
-          </a:p>
-          <a:p>
-            <a:endParaRPr lang="en-US" dirty="0"/>
-          </a:p>
-          <a:p>
-            <a:endParaRPr lang="en-US" dirty="0"/>
-          </a:p>
-          <a:p>
-            <a:endParaRPr lang="en-US" dirty="0"/>
-          </a:p>
-          <a:p>
-            <a:endParaRPr lang="en-US" dirty="0"/>
-          </a:p>
-          <a:p>
-            <a:endParaRPr lang="en-US" sz="1900" dirty="0"/>
-          </a:p>
-          <a:p>
-            <a:pPr marL="0" indent="0" algn="ctr">
-              <a:buNone/>
-            </a:pPr>
-            <a:r>
-              <a:rPr lang="en-US" sz="1600" b="1" i="1" dirty="0"/>
-              <a:t>Pearson correlation coefficient: 0.399363685513</a:t>
-            </a:r>
-            <a:br>
-              <a:rPr lang="en-US" sz="1600" b="1" i="1" dirty="0"/>
-            </a:br>
-            <a:r>
-              <a:rPr lang="en-US" sz="1600" b="1" i="1" dirty="0"/>
-              <a:t>p value: 0.0174679610264</a:t>
-            </a:r>
-          </a:p>
-        </p:txBody>
-      </p:sp>
-      <p:pic>
-        <p:nvPicPr>
-          <p:cNvPr id="5" name="Picture 4">
-            <a:extLst>
-              <a:ext uri="{FF2B5EF4-FFF2-40B4-BE49-F238E27FC236}">
-                <a16:creationId xmlns:a16="http://schemas.microsoft.com/office/drawing/2014/main" id="{601209CE-4ACC-4838-87EC-19682E590CA1}"/>
-              </a:ext>
-            </a:extLst>
-          </p:cNvPr>
-          <p:cNvPicPr>
-            <a:picLocks noChangeAspect="1"/>
-          </p:cNvPicPr>
-          <p:nvPr/>
-        </p:nvPicPr>
-        <p:blipFill>
-          <a:blip r:embed="rId2"/>
-          <a:stretch>
-            <a:fillRect/>
-          </a:stretch>
-        </p:blipFill>
-        <p:spPr>
-          <a:xfrm>
-            <a:off x="2168375" y="2417951"/>
-            <a:ext cx="4807250" cy="3357828"/>
-          </a:xfrm>
-          <a:prstGeom prst="rect">
-            <a:avLst/>
-          </a:prstGeom>
-        </p:spPr>
-      </p:pic>
-    </p:spTree>
-    <p:extLst>
-      <p:ext uri="{BB962C8B-B14F-4D97-AF65-F5344CB8AC3E}">
-        <p14:creationId xmlns:p14="http://schemas.microsoft.com/office/powerpoint/2010/main" val="689054118"/>
-      </p:ext>
-    </p:extLst>
-  </p:cSld>
-  <p:clrMapOvr>
-    <a:masterClrMapping/>
-  </p:clrMapOvr>
-</p:sld>
-</file>
-
 <file path=ppt/slides/slide7.xml><?xml version="1.0" encoding="utf-8"?>
 <p:sld xmlns:a="http://schemas.openxmlformats.org/drawingml/2006/main" xmlns:r="http://schemas.openxmlformats.org/officeDocument/2006/relationships" xmlns:p="http://schemas.openxmlformats.org/presentationml/2006/main">
   <p:cSld>
@@ -3639,6 +3599,157 @@
         </p:nvSpPr>
         <p:spPr>
           <a:xfrm>
+            <a:off x="1298713" y="1489436"/>
+            <a:ext cx="7432209" cy="5368564"/>
+          </a:xfrm>
+        </p:spPr>
+        <p:txBody>
+          <a:bodyPr>
+            <a:normAutofit/>
+          </a:bodyPr>
+          <a:lstStyle/>
+          <a:p>
+            <a:pPr marL="0" indent="0" algn="ctr">
+              <a:buNone/>
+            </a:pPr>
+            <a:r>
+              <a:rPr lang="en-US" dirty="0"/>
+              <a:t>Correlation – Percentage of population below poverty level and Theft count for zip codes</a:t>
+            </a:r>
+          </a:p>
+          <a:p>
+            <a:endParaRPr lang="en-US" dirty="0"/>
+          </a:p>
+          <a:p>
+            <a:endParaRPr lang="en-US" dirty="0"/>
+          </a:p>
+          <a:p>
+            <a:endParaRPr lang="en-US" dirty="0"/>
+          </a:p>
+          <a:p>
+            <a:endParaRPr lang="en-US" dirty="0"/>
+          </a:p>
+          <a:p>
+            <a:endParaRPr lang="en-US" dirty="0"/>
+          </a:p>
+          <a:p>
+            <a:endParaRPr lang="en-US" dirty="0"/>
+          </a:p>
+          <a:p>
+            <a:endParaRPr lang="en-US" sz="1900" dirty="0"/>
+          </a:p>
+          <a:p>
+            <a:pPr marL="0" indent="0" algn="ctr">
+              <a:buNone/>
+            </a:pPr>
+            <a:r>
+              <a:rPr lang="en-US" sz="1600" b="1" i="1" dirty="0"/>
+              <a:t>Pearson correlation coefficient: 0.399363685513</a:t>
+            </a:r>
+            <a:br>
+              <a:rPr lang="en-US" sz="1600" b="1" i="1" dirty="0"/>
+            </a:br>
+            <a:r>
+              <a:rPr lang="en-US" sz="1600" b="1" i="1" dirty="0"/>
+              <a:t>p value: 0.0174679610264</a:t>
+            </a:r>
+          </a:p>
+        </p:txBody>
+      </p:sp>
+      <p:pic>
+        <p:nvPicPr>
+          <p:cNvPr id="5" name="Picture 4">
+            <a:extLst>
+              <a:ext uri="{FF2B5EF4-FFF2-40B4-BE49-F238E27FC236}">
+                <a16:creationId xmlns:a16="http://schemas.microsoft.com/office/drawing/2014/main" id="{601209CE-4ACC-4838-87EC-19682E590CA1}"/>
+              </a:ext>
+            </a:extLst>
+          </p:cNvPr>
+          <p:cNvPicPr>
+            <a:picLocks noChangeAspect="1"/>
+          </p:cNvPicPr>
+          <p:nvPr/>
+        </p:nvPicPr>
+        <p:blipFill>
+          <a:blip r:embed="rId2"/>
+          <a:stretch>
+            <a:fillRect/>
+          </a:stretch>
+        </p:blipFill>
+        <p:spPr>
+          <a:xfrm>
+            <a:off x="2168375" y="2417951"/>
+            <a:ext cx="4807250" cy="3357828"/>
+          </a:xfrm>
+          <a:prstGeom prst="rect">
+            <a:avLst/>
+          </a:prstGeom>
+        </p:spPr>
+      </p:pic>
+    </p:spTree>
+    <p:extLst>
+      <p:ext uri="{BB962C8B-B14F-4D97-AF65-F5344CB8AC3E}">
+        <p14:creationId xmlns:p14="http://schemas.microsoft.com/office/powerpoint/2010/main" val="689054118"/>
+      </p:ext>
+    </p:extLst>
+  </p:cSld>
+  <p:clrMapOvr>
+    <a:masterClrMapping/>
+  </p:clrMapOvr>
+</p:sld>
+</file>
+
+<file path=ppt/slides/slide8.xml><?xml version="1.0" encoding="utf-8"?>
+<p:sld xmlns:a="http://schemas.openxmlformats.org/drawingml/2006/main" xmlns:r="http://schemas.openxmlformats.org/officeDocument/2006/relationships" xmlns:p="http://schemas.openxmlformats.org/presentationml/2006/main">
+  <p:cSld>
+    <p:spTree>
+      <p:nvGrpSpPr>
+        <p:cNvPr id="1" name=""/>
+        <p:cNvGrpSpPr/>
+        <p:nvPr/>
+      </p:nvGrpSpPr>
+      <p:grpSpPr>
+        <a:xfrm>
+          <a:off x="0" y="0"/>
+          <a:ext cx="0" cy="0"/>
+          <a:chOff x="0" y="0"/>
+          <a:chExt cx="0" cy="0"/>
+        </a:xfrm>
+      </p:grpSpPr>
+      <p:sp>
+        <p:nvSpPr>
+          <p:cNvPr id="2" name="Title 1"/>
+          <p:cNvSpPr>
+            <a:spLocks noGrp="1"/>
+          </p:cNvSpPr>
+          <p:nvPr>
+            <p:ph type="ctrTitle"/>
+          </p:nvPr>
+        </p:nvSpPr>
+        <p:spPr/>
+        <p:txBody>
+          <a:bodyPr/>
+          <a:lstStyle/>
+          <a:p>
+            <a:r>
+              <a:rPr lang="en-US" dirty="0"/>
+              <a:t>Analysis and Results</a:t>
+            </a:r>
+          </a:p>
+        </p:txBody>
+      </p:sp>
+      <p:sp>
+        <p:nvSpPr>
+          <p:cNvPr id="3" name="Content Placeholder 2"/>
+          <p:cNvSpPr>
+            <a:spLocks noGrp="1"/>
+          </p:cNvSpPr>
+          <p:nvPr>
+            <p:ph idx="10"/>
+          </p:nvPr>
+        </p:nvSpPr>
+        <p:spPr>
+          <a:xfrm>
             <a:off x="1189277" y="1489436"/>
             <a:ext cx="7432209" cy="5368564"/>
           </a:xfrm>
@@ -3754,7 +3865,7 @@
 </p:sld>
 </file>
 
-<file path=ppt/slides/slide8.xml><?xml version="1.0" encoding="utf-8"?>
+<file path=ppt/slides/slide9.xml><?xml version="1.0" encoding="utf-8"?>
 <p:sld xmlns:a="http://schemas.openxmlformats.org/drawingml/2006/main" xmlns:r="http://schemas.openxmlformats.org/officeDocument/2006/relationships" xmlns:p="http://schemas.openxmlformats.org/presentationml/2006/main">
   <p:cSld>
     <p:spTree>
